--- a/Presentations/Task 1-Seminar 3.pptx
+++ b/Presentations/Task 1-Seminar 3.pptx
@@ -122,6 +122,11 @@
       </a:defRPr>
     </a:lvl9pPr>
   </p:defaultTextStyle>
+  <p:extLst>
+    <p:ext uri="{EFAFB233-063F-42B5-8137-9DF3F51BA10A}">
+      <p15:sldGuideLst xmlns:p15="http://schemas.microsoft.com/office/powerpoint/2012/main"/>
+    </p:ext>
+  </p:extLst>
 </p:presentation>
 </file>
 
@@ -278,7 +283,7 @@
           <a:p>
             <a:fld id="{D1D1EADE-8E88-4C7C-8AC5-FB148DE4940E}" type="datetime1">
               <a:rPr lang="en-US" smtClean="0"/>
-              <a:t>11/9/2025</a:t>
+              <a:t>11/18/2025</a:t>
             </a:fld>
             <a:endParaRPr lang="en-US"/>
           </a:p>
@@ -478,7 +483,7 @@
           <a:p>
             <a:fld id="{EC3C8B9C-477D-492A-96AD-1FC2CC997A73}" type="datetime1">
               <a:rPr lang="en-US" smtClean="0"/>
-              <a:t>11/9/2025</a:t>
+              <a:t>11/18/2025</a:t>
             </a:fld>
             <a:endParaRPr lang="en-US"/>
           </a:p>
@@ -688,7 +693,7 @@
           <a:p>
             <a:fld id="{42D3AED5-E26D-4E29-B1B3-7847B6779594}" type="datetime1">
               <a:rPr lang="en-US" smtClean="0"/>
-              <a:t>11/9/2025</a:t>
+              <a:t>11/18/2025</a:t>
             </a:fld>
             <a:endParaRPr lang="en-US"/>
           </a:p>
@@ -888,7 +893,7 @@
           <a:p>
             <a:fld id="{157B6794-849E-4626-908B-D15793550EFB}" type="datetime1">
               <a:rPr lang="en-US" smtClean="0"/>
-              <a:t>11/9/2025</a:t>
+              <a:t>11/18/2025</a:t>
             </a:fld>
             <a:endParaRPr lang="en-US"/>
           </a:p>
@@ -1164,7 +1169,7 @@
           <a:p>
             <a:fld id="{63DB64E7-5594-42A3-ADBF-E95A7ACEAD64}" type="datetime1">
               <a:rPr lang="en-US" smtClean="0"/>
-              <a:t>11/9/2025</a:t>
+              <a:t>11/18/2025</a:t>
             </a:fld>
             <a:endParaRPr lang="en-US"/>
           </a:p>
@@ -1437,7 +1442,7 @@
           <a:p>
             <a:fld id="{18462B0B-D248-4FFB-8695-AD7FA4B1284A}" type="datetime1">
               <a:rPr lang="en-US" smtClean="0"/>
-              <a:t>11/9/2025</a:t>
+              <a:t>11/18/2025</a:t>
             </a:fld>
             <a:endParaRPr lang="en-US"/>
           </a:p>
@@ -1860,7 +1865,7 @@
           <a:p>
             <a:fld id="{D0378EFB-9159-4510-B73F-4F0409ADE937}" type="datetime1">
               <a:rPr lang="en-US" smtClean="0"/>
-              <a:t>11/9/2025</a:t>
+              <a:t>11/18/2025</a:t>
             </a:fld>
             <a:endParaRPr lang="en-US"/>
           </a:p>
@@ -2002,7 +2007,7 @@
           <a:p>
             <a:fld id="{89BC9412-2452-4BED-A324-9D8C115361AD}" type="datetime1">
               <a:rPr lang="en-US" smtClean="0"/>
-              <a:t>11/9/2025</a:t>
+              <a:t>11/18/2025</a:t>
             </a:fld>
             <a:endParaRPr lang="en-US"/>
           </a:p>
@@ -2115,7 +2120,7 @@
           <a:p>
             <a:fld id="{F5318F62-D251-40E8-A23C-F4CFE9FEAB41}" type="datetime1">
               <a:rPr lang="en-US" smtClean="0"/>
-              <a:t>11/9/2025</a:t>
+              <a:t>11/18/2025</a:t>
             </a:fld>
             <a:endParaRPr lang="en-US"/>
           </a:p>
@@ -2428,7 +2433,7 @@
           <a:p>
             <a:fld id="{44F76144-149E-4874-93A5-554A0357CF82}" type="datetime1">
               <a:rPr lang="en-US" smtClean="0"/>
-              <a:t>11/9/2025</a:t>
+              <a:t>11/18/2025</a:t>
             </a:fld>
             <a:endParaRPr lang="en-US"/>
           </a:p>
@@ -2721,7 +2726,7 @@
           <a:p>
             <a:fld id="{50BA65D8-0540-4835-AE5C-25D29DBA01BE}" type="datetime1">
               <a:rPr lang="en-US" smtClean="0"/>
-              <a:t>11/9/2025</a:t>
+              <a:t>11/18/2025</a:t>
             </a:fld>
             <a:endParaRPr lang="en-US"/>
           </a:p>
@@ -2963,7 +2968,7 @@
           <a:p>
             <a:fld id="{E31BA835-12AC-4E8F-955A-EA3F4DE2791F}" type="datetime1">
               <a:rPr lang="en-US" smtClean="0"/>
-              <a:t>11/9/2025</a:t>
+              <a:t>11/18/2025</a:t>
             </a:fld>
             <a:endParaRPr lang="en-US"/>
           </a:p>
@@ -5682,8 +5687,6 @@
               <a:rPr lang="en-US" dirty="0"/>
               <a:t>We see good Model 3 and Model 4 have the best performance. </a:t>
             </a:r>
-          </a:p>
-          <a:p>
             <a:br>
               <a:rPr lang="en-US" dirty="0"/>
             </a:br>
